--- a/Präsentation/Präsentation - Mini C.pptx
+++ b/Präsentation/Präsentation - Mini C.pptx
@@ -136,6 +136,9 @@
           </p14:sldIdLst>
         </p14:section>
       </p14:sectionLst>
+    </p:ext>
+    <p:ext uri="{EFAFB233-063F-42B5-8137-9DF3F51BA10A}">
+      <p15:sldGuideLst xmlns:p15="http://schemas.microsoft.com/office/powerpoint/2012/main"/>
     </p:ext>
   </p:extLst>
 </p:presentation>
@@ -6351,8 +6354,12 @@
           <a:lstStyle/>
           <a:p>
             <a:r>
+              <a:rPr lang="de-DE" dirty="0"/>
+              <a:t>11140150 </a:t>
+            </a:r>
+            <a:r>
               <a:rPr lang="de-DE" dirty="0" smtClean="0"/>
-              <a:t>11xxx Dennis </a:t>
+              <a:t>Dennis </a:t>
             </a:r>
             <a:r>
               <a:rPr lang="de-DE" dirty="0" err="1" smtClean="0"/>
@@ -6362,8 +6369,12 @@
           </a:p>
           <a:p>
             <a:r>
+              <a:rPr lang="de-DE" dirty="0"/>
+              <a:t>11141259 </a:t>
+            </a:r>
+            <a:r>
               <a:rPr lang="de-DE" dirty="0" smtClean="0"/>
-              <a:t>111xxx Lukas </a:t>
+              <a:t>Lukas </a:t>
             </a:r>
             <a:r>
               <a:rPr lang="de-DE" dirty="0" err="1" smtClean="0"/>
